--- a/Coding_w_p5.js.pptx
+++ b/Coding_w_p5.js.pptx
@@ -272,7 +272,7 @@
           <a:p>
             <a:fld id="{F69D0016-9790-459E-B6DB-BBE1E8B93521}" type="datetimeFigureOut">
               <a:rPr lang="en-MY" smtClean="0"/>
-              <a:t>14/10/2019</a:t>
+              <a:t>17/10/2019</a:t>
             </a:fld>
             <a:endParaRPr lang="en-MY" dirty="0"/>
           </a:p>
@@ -472,7 +472,7 @@
           <a:p>
             <a:fld id="{F69D0016-9790-459E-B6DB-BBE1E8B93521}" type="datetimeFigureOut">
               <a:rPr lang="en-MY" smtClean="0"/>
-              <a:t>14/10/2019</a:t>
+              <a:t>17/10/2019</a:t>
             </a:fld>
             <a:endParaRPr lang="en-MY" dirty="0"/>
           </a:p>
@@ -682,7 +682,7 @@
           <a:p>
             <a:fld id="{F69D0016-9790-459E-B6DB-BBE1E8B93521}" type="datetimeFigureOut">
               <a:rPr lang="en-MY" smtClean="0"/>
-              <a:t>14/10/2019</a:t>
+              <a:t>17/10/2019</a:t>
             </a:fld>
             <a:endParaRPr lang="en-MY" dirty="0"/>
           </a:p>
@@ -882,7 +882,7 @@
           <a:p>
             <a:fld id="{F69D0016-9790-459E-B6DB-BBE1E8B93521}" type="datetimeFigureOut">
               <a:rPr lang="en-MY" smtClean="0"/>
-              <a:t>14/10/2019</a:t>
+              <a:t>17/10/2019</a:t>
             </a:fld>
             <a:endParaRPr lang="en-MY" dirty="0"/>
           </a:p>
@@ -1158,7 +1158,7 @@
           <a:p>
             <a:fld id="{F69D0016-9790-459E-B6DB-BBE1E8B93521}" type="datetimeFigureOut">
               <a:rPr lang="en-MY" smtClean="0"/>
-              <a:t>14/10/2019</a:t>
+              <a:t>17/10/2019</a:t>
             </a:fld>
             <a:endParaRPr lang="en-MY" dirty="0"/>
           </a:p>
@@ -1426,7 +1426,7 @@
           <a:p>
             <a:fld id="{F69D0016-9790-459E-B6DB-BBE1E8B93521}" type="datetimeFigureOut">
               <a:rPr lang="en-MY" smtClean="0"/>
-              <a:t>14/10/2019</a:t>
+              <a:t>17/10/2019</a:t>
             </a:fld>
             <a:endParaRPr lang="en-MY" dirty="0"/>
           </a:p>
@@ -1841,7 +1841,7 @@
           <a:p>
             <a:fld id="{F69D0016-9790-459E-B6DB-BBE1E8B93521}" type="datetimeFigureOut">
               <a:rPr lang="en-MY" smtClean="0"/>
-              <a:t>14/10/2019</a:t>
+              <a:t>17/10/2019</a:t>
             </a:fld>
             <a:endParaRPr lang="en-MY" dirty="0"/>
           </a:p>
@@ -1983,7 +1983,7 @@
           <a:p>
             <a:fld id="{F69D0016-9790-459E-B6DB-BBE1E8B93521}" type="datetimeFigureOut">
               <a:rPr lang="en-MY" smtClean="0"/>
-              <a:t>14/10/2019</a:t>
+              <a:t>17/10/2019</a:t>
             </a:fld>
             <a:endParaRPr lang="en-MY" dirty="0"/>
           </a:p>
@@ -2096,7 +2096,7 @@
           <a:p>
             <a:fld id="{F69D0016-9790-459E-B6DB-BBE1E8B93521}" type="datetimeFigureOut">
               <a:rPr lang="en-MY" smtClean="0"/>
-              <a:t>14/10/2019</a:t>
+              <a:t>17/10/2019</a:t>
             </a:fld>
             <a:endParaRPr lang="en-MY" dirty="0"/>
           </a:p>
@@ -2409,7 +2409,7 @@
           <a:p>
             <a:fld id="{F69D0016-9790-459E-B6DB-BBE1E8B93521}" type="datetimeFigureOut">
               <a:rPr lang="en-MY" smtClean="0"/>
-              <a:t>14/10/2019</a:t>
+              <a:t>17/10/2019</a:t>
             </a:fld>
             <a:endParaRPr lang="en-MY" dirty="0"/>
           </a:p>
@@ -2698,7 +2698,7 @@
           <a:p>
             <a:fld id="{F69D0016-9790-459E-B6DB-BBE1E8B93521}" type="datetimeFigureOut">
               <a:rPr lang="en-MY" smtClean="0"/>
-              <a:t>14/10/2019</a:t>
+              <a:t>17/10/2019</a:t>
             </a:fld>
             <a:endParaRPr lang="en-MY" dirty="0"/>
           </a:p>
@@ -2941,7 +2941,7 @@
           <a:p>
             <a:fld id="{F69D0016-9790-459E-B6DB-BBE1E8B93521}" type="datetimeFigureOut">
               <a:rPr lang="en-MY" smtClean="0"/>
-              <a:t>14/10/2019</a:t>
+              <a:t>17/10/2019</a:t>
             </a:fld>
             <a:endParaRPr lang="en-MY" dirty="0"/>
           </a:p>
